--- a/presentations/coda2016/images/coda2016_poster_background.pptx
+++ b/presentations/coda2016/images/coda2016_poster_background.pptx
@@ -288,7 +288,7 @@
           <a:p>
             <a:fld id="{3C41F5A3-4A3A-8D46-A1AB-39ED3C4AC378}" type="datetimeFigureOut">
               <a:rPr lang="en-US" smtClean="0"/>
-              <a:t>2/16/16</a:t>
+              <a:t>2/19/16</a:t>
             </a:fld>
             <a:endParaRPr lang="en-US"/>
           </a:p>
@@ -458,7 +458,7 @@
           <a:p>
             <a:fld id="{3C41F5A3-4A3A-8D46-A1AB-39ED3C4AC378}" type="datetimeFigureOut">
               <a:rPr lang="en-US" smtClean="0"/>
-              <a:t>2/16/16</a:t>
+              <a:t>2/19/16</a:t>
             </a:fld>
             <a:endParaRPr lang="en-US"/>
           </a:p>
@@ -638,7 +638,7 @@
           <a:p>
             <a:fld id="{3C41F5A3-4A3A-8D46-A1AB-39ED3C4AC378}" type="datetimeFigureOut">
               <a:rPr lang="en-US" smtClean="0"/>
-              <a:t>2/16/16</a:t>
+              <a:t>2/19/16</a:t>
             </a:fld>
             <a:endParaRPr lang="en-US"/>
           </a:p>
@@ -808,7 +808,7 @@
           <a:p>
             <a:fld id="{3C41F5A3-4A3A-8D46-A1AB-39ED3C4AC378}" type="datetimeFigureOut">
               <a:rPr lang="en-US" smtClean="0"/>
-              <a:t>2/16/16</a:t>
+              <a:t>2/19/16</a:t>
             </a:fld>
             <a:endParaRPr lang="en-US"/>
           </a:p>
@@ -1054,7 +1054,7 @@
           <a:p>
             <a:fld id="{3C41F5A3-4A3A-8D46-A1AB-39ED3C4AC378}" type="datetimeFigureOut">
               <a:rPr lang="en-US" smtClean="0"/>
-              <a:t>2/16/16</a:t>
+              <a:t>2/19/16</a:t>
             </a:fld>
             <a:endParaRPr lang="en-US"/>
           </a:p>
@@ -1342,7 +1342,7 @@
           <a:p>
             <a:fld id="{3C41F5A3-4A3A-8D46-A1AB-39ED3C4AC378}" type="datetimeFigureOut">
               <a:rPr lang="en-US" smtClean="0"/>
-              <a:t>2/16/16</a:t>
+              <a:t>2/19/16</a:t>
             </a:fld>
             <a:endParaRPr lang="en-US"/>
           </a:p>
@@ -1769,7 +1769,7 @@
           <a:p>
             <a:fld id="{3C41F5A3-4A3A-8D46-A1AB-39ED3C4AC378}" type="datetimeFigureOut">
               <a:rPr lang="en-US" smtClean="0"/>
-              <a:t>2/16/16</a:t>
+              <a:t>2/19/16</a:t>
             </a:fld>
             <a:endParaRPr lang="en-US"/>
           </a:p>
@@ -1887,7 +1887,7 @@
           <a:p>
             <a:fld id="{3C41F5A3-4A3A-8D46-A1AB-39ED3C4AC378}" type="datetimeFigureOut">
               <a:rPr lang="en-US" smtClean="0"/>
-              <a:t>2/16/16</a:t>
+              <a:t>2/19/16</a:t>
             </a:fld>
             <a:endParaRPr lang="en-US"/>
           </a:p>
@@ -1982,7 +1982,7 @@
           <a:p>
             <a:fld id="{3C41F5A3-4A3A-8D46-A1AB-39ED3C4AC378}" type="datetimeFigureOut">
               <a:rPr lang="en-US" smtClean="0"/>
-              <a:t>2/16/16</a:t>
+              <a:t>2/19/16</a:t>
             </a:fld>
             <a:endParaRPr lang="en-US"/>
           </a:p>
@@ -2259,7 +2259,7 @@
           <a:p>
             <a:fld id="{3C41F5A3-4A3A-8D46-A1AB-39ED3C4AC378}" type="datetimeFigureOut">
               <a:rPr lang="en-US" smtClean="0"/>
-              <a:t>2/16/16</a:t>
+              <a:t>2/19/16</a:t>
             </a:fld>
             <a:endParaRPr lang="en-US"/>
           </a:p>
@@ -2512,7 +2512,7 @@
           <a:p>
             <a:fld id="{3C41F5A3-4A3A-8D46-A1AB-39ED3C4AC378}" type="datetimeFigureOut">
               <a:rPr lang="en-US" smtClean="0"/>
-              <a:t>2/16/16</a:t>
+              <a:t>2/19/16</a:t>
             </a:fld>
             <a:endParaRPr lang="en-US"/>
           </a:p>
@@ -2725,7 +2725,7 @@
           <a:p>
             <a:fld id="{3C41F5A3-4A3A-8D46-A1AB-39ED3C4AC378}" type="datetimeFigureOut">
               <a:rPr lang="en-US" smtClean="0"/>
-              <a:t>2/16/16</a:t>
+              <a:t>2/19/16</a:t>
             </a:fld>
             <a:endParaRPr lang="en-US"/>
           </a:p>
@@ -3473,8 +3473,8 @@
         </p:nvSpPr>
         <p:spPr>
           <a:xfrm>
-            <a:off x="272148" y="10358292"/>
-            <a:ext cx="13746907" cy="7753997"/>
+            <a:off x="272147" y="9884657"/>
+            <a:ext cx="14054328" cy="10515600"/>
           </a:xfrm>
           <a:prstGeom prst="rect">
             <a:avLst/>
@@ -3523,7 +3523,7 @@
         <p:spPr>
           <a:xfrm>
             <a:off x="272148" y="4764017"/>
-            <a:ext cx="13746907" cy="5261235"/>
+            <a:ext cx="14054328" cy="5120640"/>
           </a:xfrm>
           <a:prstGeom prst="rect">
             <a:avLst/>
@@ -3571,8 +3571,8 @@
         </p:nvSpPr>
         <p:spPr>
           <a:xfrm>
-            <a:off x="28940831" y="4764017"/>
-            <a:ext cx="13723427" cy="6268954"/>
+            <a:off x="28663014" y="4764017"/>
+            <a:ext cx="14054328" cy="6268954"/>
           </a:xfrm>
           <a:prstGeom prst="rect">
             <a:avLst/>
@@ -3620,8 +3620,8 @@
         </p:nvSpPr>
         <p:spPr>
           <a:xfrm>
-            <a:off x="28940832" y="11350465"/>
-            <a:ext cx="13723426" cy="9683615"/>
+            <a:off x="28663016" y="11032971"/>
+            <a:ext cx="14054328" cy="10318604"/>
           </a:xfrm>
           <a:prstGeom prst="rect">
             <a:avLst/>
@@ -3669,8 +3669,8 @@
         </p:nvSpPr>
         <p:spPr>
           <a:xfrm>
-            <a:off x="28940832" y="21351575"/>
-            <a:ext cx="13723426" cy="6584049"/>
+            <a:off x="28663016" y="21351575"/>
+            <a:ext cx="14054328" cy="6584049"/>
           </a:xfrm>
           <a:prstGeom prst="rect">
             <a:avLst/>
@@ -3718,8 +3718,8 @@
         </p:nvSpPr>
         <p:spPr>
           <a:xfrm>
-            <a:off x="272148" y="18414742"/>
-            <a:ext cx="13746907" cy="8378642"/>
+            <a:off x="272147" y="20400257"/>
+            <a:ext cx="14054328" cy="6393126"/>
           </a:xfrm>
           <a:prstGeom prst="rect">
             <a:avLst/>
@@ -3767,8 +3767,8 @@
         </p:nvSpPr>
         <p:spPr>
           <a:xfrm>
-            <a:off x="14327254" y="18713803"/>
-            <a:ext cx="14247878" cy="9221821"/>
+            <a:off x="14326475" y="18713803"/>
+            <a:ext cx="14336541" cy="9221821"/>
           </a:xfrm>
           <a:prstGeom prst="rect">
             <a:avLst/>
@@ -3816,8 +3816,8 @@
         </p:nvSpPr>
         <p:spPr>
           <a:xfrm>
-            <a:off x="12832888" y="5680976"/>
-            <a:ext cx="17290064" cy="16575083"/>
+            <a:off x="13745712" y="5680976"/>
+            <a:ext cx="15544800" cy="16575083"/>
           </a:xfrm>
           <a:prstGeom prst="rect">
             <a:avLst/>

--- a/presentations/coda2016/images/coda2016_poster_background.pptx
+++ b/presentations/coda2016/images/coda2016_poster_background.pptx
@@ -288,7 +288,7 @@
           <a:p>
             <a:fld id="{3C41F5A3-4A3A-8D46-A1AB-39ED3C4AC378}" type="datetimeFigureOut">
               <a:rPr lang="en-US" smtClean="0"/>
-              <a:t>2/19/16</a:t>
+              <a:t>2/20/16</a:t>
             </a:fld>
             <a:endParaRPr lang="en-US"/>
           </a:p>
@@ -458,7 +458,7 @@
           <a:p>
             <a:fld id="{3C41F5A3-4A3A-8D46-A1AB-39ED3C4AC378}" type="datetimeFigureOut">
               <a:rPr lang="en-US" smtClean="0"/>
-              <a:t>2/19/16</a:t>
+              <a:t>2/20/16</a:t>
             </a:fld>
             <a:endParaRPr lang="en-US"/>
           </a:p>
@@ -638,7 +638,7 @@
           <a:p>
             <a:fld id="{3C41F5A3-4A3A-8D46-A1AB-39ED3C4AC378}" type="datetimeFigureOut">
               <a:rPr lang="en-US" smtClean="0"/>
-              <a:t>2/19/16</a:t>
+              <a:t>2/20/16</a:t>
             </a:fld>
             <a:endParaRPr lang="en-US"/>
           </a:p>
@@ -808,7 +808,7 @@
           <a:p>
             <a:fld id="{3C41F5A3-4A3A-8D46-A1AB-39ED3C4AC378}" type="datetimeFigureOut">
               <a:rPr lang="en-US" smtClean="0"/>
-              <a:t>2/19/16</a:t>
+              <a:t>2/20/16</a:t>
             </a:fld>
             <a:endParaRPr lang="en-US"/>
           </a:p>
@@ -1054,7 +1054,7 @@
           <a:p>
             <a:fld id="{3C41F5A3-4A3A-8D46-A1AB-39ED3C4AC378}" type="datetimeFigureOut">
               <a:rPr lang="en-US" smtClean="0"/>
-              <a:t>2/19/16</a:t>
+              <a:t>2/20/16</a:t>
             </a:fld>
             <a:endParaRPr lang="en-US"/>
           </a:p>
@@ -1342,7 +1342,7 @@
           <a:p>
             <a:fld id="{3C41F5A3-4A3A-8D46-A1AB-39ED3C4AC378}" type="datetimeFigureOut">
               <a:rPr lang="en-US" smtClean="0"/>
-              <a:t>2/19/16</a:t>
+              <a:t>2/20/16</a:t>
             </a:fld>
             <a:endParaRPr lang="en-US"/>
           </a:p>
@@ -1769,7 +1769,7 @@
           <a:p>
             <a:fld id="{3C41F5A3-4A3A-8D46-A1AB-39ED3C4AC378}" type="datetimeFigureOut">
               <a:rPr lang="en-US" smtClean="0"/>
-              <a:t>2/19/16</a:t>
+              <a:t>2/20/16</a:t>
             </a:fld>
             <a:endParaRPr lang="en-US"/>
           </a:p>
@@ -1887,7 +1887,7 @@
           <a:p>
             <a:fld id="{3C41F5A3-4A3A-8D46-A1AB-39ED3C4AC378}" type="datetimeFigureOut">
               <a:rPr lang="en-US" smtClean="0"/>
-              <a:t>2/19/16</a:t>
+              <a:t>2/20/16</a:t>
             </a:fld>
             <a:endParaRPr lang="en-US"/>
           </a:p>
@@ -1982,7 +1982,7 @@
           <a:p>
             <a:fld id="{3C41F5A3-4A3A-8D46-A1AB-39ED3C4AC378}" type="datetimeFigureOut">
               <a:rPr lang="en-US" smtClean="0"/>
-              <a:t>2/19/16</a:t>
+              <a:t>2/20/16</a:t>
             </a:fld>
             <a:endParaRPr lang="en-US"/>
           </a:p>
@@ -2259,7 +2259,7 @@
           <a:p>
             <a:fld id="{3C41F5A3-4A3A-8D46-A1AB-39ED3C4AC378}" type="datetimeFigureOut">
               <a:rPr lang="en-US" smtClean="0"/>
-              <a:t>2/19/16</a:t>
+              <a:t>2/20/16</a:t>
             </a:fld>
             <a:endParaRPr lang="en-US"/>
           </a:p>
@@ -2512,7 +2512,7 @@
           <a:p>
             <a:fld id="{3C41F5A3-4A3A-8D46-A1AB-39ED3C4AC378}" type="datetimeFigureOut">
               <a:rPr lang="en-US" smtClean="0"/>
-              <a:t>2/19/16</a:t>
+              <a:t>2/20/16</a:t>
             </a:fld>
             <a:endParaRPr lang="en-US"/>
           </a:p>
@@ -2725,7 +2725,7 @@
           <a:p>
             <a:fld id="{3C41F5A3-4A3A-8D46-A1AB-39ED3C4AC378}" type="datetimeFigureOut">
               <a:rPr lang="en-US" smtClean="0"/>
-              <a:t>2/19/16</a:t>
+              <a:t>2/20/16</a:t>
             </a:fld>
             <a:endParaRPr lang="en-US"/>
           </a:p>
@@ -3474,7 +3474,7 @@
         <p:spPr>
           <a:xfrm>
             <a:off x="272147" y="9884657"/>
-            <a:ext cx="14054328" cy="10515600"/>
+            <a:ext cx="14054328" cy="9286527"/>
           </a:xfrm>
           <a:prstGeom prst="rect">
             <a:avLst/>
@@ -3718,8 +3718,8 @@
         </p:nvSpPr>
         <p:spPr>
           <a:xfrm>
-            <a:off x="272147" y="20400257"/>
-            <a:ext cx="14054328" cy="6393126"/>
+            <a:off x="272147" y="19171185"/>
+            <a:ext cx="14054328" cy="7622198"/>
           </a:xfrm>
           <a:prstGeom prst="rect">
             <a:avLst/>
@@ -3817,7 +3817,7 @@
         <p:spPr>
           <a:xfrm>
             <a:off x="13745712" y="5680976"/>
-            <a:ext cx="15544800" cy="16575083"/>
+            <a:ext cx="15544800" cy="17218391"/>
           </a:xfrm>
           <a:prstGeom prst="rect">
             <a:avLst/>

--- a/presentations/coda2016/images/coda2016_poster_background.pptx
+++ b/presentations/coda2016/images/coda2016_poster_background.pptx
@@ -3572,7 +3572,7 @@
         <p:spPr>
           <a:xfrm>
             <a:off x="28663014" y="4764017"/>
-            <a:ext cx="14054328" cy="6268954"/>
+            <a:ext cx="14054328" cy="7665504"/>
           </a:xfrm>
           <a:prstGeom prst="rect">
             <a:avLst/>
@@ -3620,8 +3620,8 @@
         </p:nvSpPr>
         <p:spPr>
           <a:xfrm>
-            <a:off x="28663016" y="11032971"/>
-            <a:ext cx="14054328" cy="10318604"/>
+            <a:off x="28663016" y="12429521"/>
+            <a:ext cx="14054328" cy="8922054"/>
           </a:xfrm>
           <a:prstGeom prst="rect">
             <a:avLst/>

--- a/presentations/coda2016/images/coda2016_poster_background.pptx
+++ b/presentations/coda2016/images/coda2016_poster_background.pptx
@@ -288,7 +288,7 @@
           <a:p>
             <a:fld id="{3C41F5A3-4A3A-8D46-A1AB-39ED3C4AC378}" type="datetimeFigureOut">
               <a:rPr lang="en-US" smtClean="0"/>
-              <a:t>2/20/16</a:t>
+              <a:t>2/22/16</a:t>
             </a:fld>
             <a:endParaRPr lang="en-US"/>
           </a:p>
@@ -458,7 +458,7 @@
           <a:p>
             <a:fld id="{3C41F5A3-4A3A-8D46-A1AB-39ED3C4AC378}" type="datetimeFigureOut">
               <a:rPr lang="en-US" smtClean="0"/>
-              <a:t>2/20/16</a:t>
+              <a:t>2/22/16</a:t>
             </a:fld>
             <a:endParaRPr lang="en-US"/>
           </a:p>
@@ -638,7 +638,7 @@
           <a:p>
             <a:fld id="{3C41F5A3-4A3A-8D46-A1AB-39ED3C4AC378}" type="datetimeFigureOut">
               <a:rPr lang="en-US" smtClean="0"/>
-              <a:t>2/20/16</a:t>
+              <a:t>2/22/16</a:t>
             </a:fld>
             <a:endParaRPr lang="en-US"/>
           </a:p>
@@ -808,7 +808,7 @@
           <a:p>
             <a:fld id="{3C41F5A3-4A3A-8D46-A1AB-39ED3C4AC378}" type="datetimeFigureOut">
               <a:rPr lang="en-US" smtClean="0"/>
-              <a:t>2/20/16</a:t>
+              <a:t>2/22/16</a:t>
             </a:fld>
             <a:endParaRPr lang="en-US"/>
           </a:p>
@@ -1054,7 +1054,7 @@
           <a:p>
             <a:fld id="{3C41F5A3-4A3A-8D46-A1AB-39ED3C4AC378}" type="datetimeFigureOut">
               <a:rPr lang="en-US" smtClean="0"/>
-              <a:t>2/20/16</a:t>
+              <a:t>2/22/16</a:t>
             </a:fld>
             <a:endParaRPr lang="en-US"/>
           </a:p>
@@ -1342,7 +1342,7 @@
           <a:p>
             <a:fld id="{3C41F5A3-4A3A-8D46-A1AB-39ED3C4AC378}" type="datetimeFigureOut">
               <a:rPr lang="en-US" smtClean="0"/>
-              <a:t>2/20/16</a:t>
+              <a:t>2/22/16</a:t>
             </a:fld>
             <a:endParaRPr lang="en-US"/>
           </a:p>
@@ -1769,7 +1769,7 @@
           <a:p>
             <a:fld id="{3C41F5A3-4A3A-8D46-A1AB-39ED3C4AC378}" type="datetimeFigureOut">
               <a:rPr lang="en-US" smtClean="0"/>
-              <a:t>2/20/16</a:t>
+              <a:t>2/22/16</a:t>
             </a:fld>
             <a:endParaRPr lang="en-US"/>
           </a:p>
@@ -1887,7 +1887,7 @@
           <a:p>
             <a:fld id="{3C41F5A3-4A3A-8D46-A1AB-39ED3C4AC378}" type="datetimeFigureOut">
               <a:rPr lang="en-US" smtClean="0"/>
-              <a:t>2/20/16</a:t>
+              <a:t>2/22/16</a:t>
             </a:fld>
             <a:endParaRPr lang="en-US"/>
           </a:p>
@@ -1982,7 +1982,7 @@
           <a:p>
             <a:fld id="{3C41F5A3-4A3A-8D46-A1AB-39ED3C4AC378}" type="datetimeFigureOut">
               <a:rPr lang="en-US" smtClean="0"/>
-              <a:t>2/20/16</a:t>
+              <a:t>2/22/16</a:t>
             </a:fld>
             <a:endParaRPr lang="en-US"/>
           </a:p>
@@ -2259,7 +2259,7 @@
           <a:p>
             <a:fld id="{3C41F5A3-4A3A-8D46-A1AB-39ED3C4AC378}" type="datetimeFigureOut">
               <a:rPr lang="en-US" smtClean="0"/>
-              <a:t>2/20/16</a:t>
+              <a:t>2/22/16</a:t>
             </a:fld>
             <a:endParaRPr lang="en-US"/>
           </a:p>
@@ -2512,7 +2512,7 @@
           <a:p>
             <a:fld id="{3C41F5A3-4A3A-8D46-A1AB-39ED3C4AC378}" type="datetimeFigureOut">
               <a:rPr lang="en-US" smtClean="0"/>
-              <a:t>2/20/16</a:t>
+              <a:t>2/22/16</a:t>
             </a:fld>
             <a:endParaRPr lang="en-US"/>
           </a:p>
@@ -2725,7 +2725,7 @@
           <a:p>
             <a:fld id="{3C41F5A3-4A3A-8D46-A1AB-39ED3C4AC378}" type="datetimeFigureOut">
               <a:rPr lang="en-US" smtClean="0"/>
-              <a:t>2/20/16</a:t>
+              <a:t>2/22/16</a:t>
             </a:fld>
             <a:endParaRPr lang="en-US"/>
           </a:p>
@@ -3571,8 +3571,8 @@
         </p:nvSpPr>
         <p:spPr>
           <a:xfrm>
-            <a:off x="28663014" y="4764017"/>
-            <a:ext cx="14054328" cy="7665504"/>
+            <a:off x="28663014" y="4764018"/>
+            <a:ext cx="14054328" cy="7291204"/>
           </a:xfrm>
           <a:prstGeom prst="rect">
             <a:avLst/>
@@ -3620,57 +3620,8 @@
         </p:nvSpPr>
         <p:spPr>
           <a:xfrm>
-            <a:off x="28663016" y="12429521"/>
-            <a:ext cx="14054328" cy="8922054"/>
-          </a:xfrm>
-          <a:prstGeom prst="rect">
-            <a:avLst/>
-          </a:prstGeom>
-          <a:solidFill>
-            <a:schemeClr val="bg1">
-              <a:lumMod val="85000"/>
-            </a:schemeClr>
-          </a:solidFill>
-          <a:ln w="190500">
-            <a:solidFill>
-              <a:schemeClr val="bg1"/>
-            </a:solidFill>
-          </a:ln>
-          <a:effectLst/>
-        </p:spPr>
-        <p:style>
-          <a:lnRef idx="1">
-            <a:schemeClr val="accent1"/>
-          </a:lnRef>
-          <a:fillRef idx="3">
-            <a:schemeClr val="accent1"/>
-          </a:fillRef>
-          <a:effectRef idx="2">
-            <a:schemeClr val="accent1"/>
-          </a:effectRef>
-          <a:fontRef idx="minor">
-            <a:schemeClr val="lt1"/>
-          </a:fontRef>
-        </p:style>
-        <p:txBody>
-          <a:bodyPr rtlCol="0" anchor="ctr"/>
-          <a:lstStyle/>
-          <a:p>
-            <a:pPr algn="ctr"/>
-            <a:endParaRPr lang="en-US"/>
-          </a:p>
-        </p:txBody>
-      </p:sp>
-      <p:sp>
-        <p:nvSpPr>
-          <p:cNvPr id="21" name="Rectangle 20"/>
-          <p:cNvSpPr/>
-          <p:nvPr/>
-        </p:nvSpPr>
-        <p:spPr>
-          <a:xfrm>
-            <a:off x="28663016" y="21351575"/>
-            <a:ext cx="14054328" cy="6584049"/>
+            <a:off x="28663016" y="12055222"/>
+            <a:ext cx="14054328" cy="15880401"/>
           </a:xfrm>
           <a:prstGeom prst="rect">
             <a:avLst/>
